--- a/Templates/test crédit suisse.pptx
+++ b/Templates/test crédit suisse.pptx
@@ -320,7 +320,7 @@
           <a:p>
             <a:fld id="{515CCE07-1711-4DC7-A7D8-7ED312C82FB8}" type="datetimeFigureOut">
               <a:rPr lang="fr-FR" smtClean="0"/>
-              <a:t>31/05/2022</a:t>
+              <a:t>01/06/2022</a:t>
             </a:fld>
             <a:endParaRPr lang="fr-FR"/>
           </a:p>
@@ -485,7 +485,7 @@
           <a:p>
             <a:fld id="{014ABEAC-8B63-4BD1-9569-A14EB8752A94}" type="datetimeFigureOut">
               <a:rPr lang="fr-FR" smtClean="0"/>
-              <a:t>31/05/2022</a:t>
+              <a:t>01/06/2022</a:t>
             </a:fld>
             <a:endParaRPr lang="fr-FR"/>
           </a:p>
@@ -36209,6 +36209,14 @@
 </file>
 
 <file path=customXml/item1.xml><?xml version="1.0" encoding="utf-8"?>
+<p:properties xmlns:p="http://schemas.microsoft.com/office/2006/metadata/properties" xmlns:xsi="http://www.w3.org/2001/XMLSchema-instance" xmlns:pc="http://schemas.microsoft.com/office/infopath/2007/PartnerControls">
+  <documentManagement>
+    <_Flow_SignoffStatus xmlns="ef624bc2-1644-4d69-8362-5c28ca496374" xsi:nil="true"/>
+  </documentManagement>
+</p:properties>
+</file>
+
+<file path=customXml/item2.xml><?xml version="1.0" encoding="utf-8"?>
 <ct:contentTypeSchema xmlns:ct="http://schemas.microsoft.com/office/2006/metadata/contentType" xmlns:ma="http://schemas.microsoft.com/office/2006/metadata/properties/metaAttributes" ct:_="" ma:_="" ma:contentTypeName="Document" ma:contentTypeID="0x0101005DDE610BC516E448BB8152259F39635A" ma:contentTypeVersion="13" ma:contentTypeDescription="Crée un document." ma:contentTypeScope="" ma:versionID="4e51a0dab1f5d4663d954168d546c586">
   <xsd:schema xmlns:xsd="http://www.w3.org/2001/XMLSchema" xmlns:xs="http://www.w3.org/2001/XMLSchema" xmlns:p="http://schemas.microsoft.com/office/2006/metadata/properties" xmlns:ns2="ef624bc2-1644-4d69-8362-5c28ca496374" xmlns:ns3="514a554b-82b0-4359-b247-fc84018a95f0" targetNamespace="http://schemas.microsoft.com/office/2006/metadata/properties" ma:root="true" ma:fieldsID="d7b51e5f287975310341ecd8502634d3" ns2:_="" ns3:_="">
     <xsd:import namespace="ef624bc2-1644-4d69-8362-5c28ca496374"/>
@@ -36431,14 +36439,6 @@
 </ct:contentTypeSchema>
 </file>
 
-<file path=customXml/item2.xml><?xml version="1.0" encoding="utf-8"?>
-<p:properties xmlns:p="http://schemas.microsoft.com/office/2006/metadata/properties" xmlns:xsi="http://www.w3.org/2001/XMLSchema-instance" xmlns:pc="http://schemas.microsoft.com/office/infopath/2007/PartnerControls">
-  <documentManagement>
-    <_Flow_SignoffStatus xmlns="ef624bc2-1644-4d69-8362-5c28ca496374" xsi:nil="true"/>
-  </documentManagement>
-</p:properties>
-</file>
-
 <file path=customXml/item3.xml><?xml version="1.0" encoding="utf-8"?>
 <?mso-contentType ?>
 <FormTemplates xmlns="http://schemas.microsoft.com/sharepoint/v3/contenttype/forms">
@@ -36449,6 +36449,23 @@
 </file>
 
 <file path=customXml/itemProps1.xml><?xml version="1.0" encoding="utf-8"?>
+<ds:datastoreItem xmlns:ds="http://schemas.openxmlformats.org/officeDocument/2006/customXml" ds:itemID="{25DE574B-2CD2-4078-9BEA-2A14717D9698}">
+  <ds:schemaRefs>
+    <ds:schemaRef ds:uri="514a554b-82b0-4359-b247-fc84018a95f0"/>
+    <ds:schemaRef ds:uri="ef624bc2-1644-4d69-8362-5c28ca496374"/>
+    <ds:schemaRef ds:uri="http://purl.org/dc/dcmitype/"/>
+    <ds:schemaRef ds:uri="http://purl.org/dc/elements/1.1/"/>
+    <ds:schemaRef ds:uri="http://purl.org/dc/terms/"/>
+    <ds:schemaRef ds:uri="http://schemas.microsoft.com/office/2006/documentManagement/types"/>
+    <ds:schemaRef ds:uri="http://schemas.microsoft.com/office/2006/metadata/properties"/>
+    <ds:schemaRef ds:uri="http://schemas.microsoft.com/office/infopath/2007/PartnerControls"/>
+    <ds:schemaRef ds:uri="http://schemas.openxmlformats.org/package/2006/metadata/core-properties"/>
+    <ds:schemaRef ds:uri="http://www.w3.org/XML/1998/namespace"/>
+  </ds:schemaRefs>
+</ds:datastoreItem>
+</file>
+
+<file path=customXml/itemProps2.xml><?xml version="1.0" encoding="utf-8"?>
 <ds:datastoreItem xmlns:ds="http://schemas.openxmlformats.org/officeDocument/2006/customXml" ds:itemID="{41EF0323-6FE8-41A6-BEA1-CC5178579BBD}">
   <ds:schemaRefs>
     <ds:schemaRef ds:uri="514a554b-82b0-4359-b247-fc84018a95f0"/>
@@ -36467,23 +36484,6 @@
 </ds:datastoreItem>
 </file>
 
-<file path=customXml/itemProps2.xml><?xml version="1.0" encoding="utf-8"?>
-<ds:datastoreItem xmlns:ds="http://schemas.openxmlformats.org/officeDocument/2006/customXml" ds:itemID="{25DE574B-2CD2-4078-9BEA-2A14717D9698}">
-  <ds:schemaRefs>
-    <ds:schemaRef ds:uri="514a554b-82b0-4359-b247-fc84018a95f0"/>
-    <ds:schemaRef ds:uri="ef624bc2-1644-4d69-8362-5c28ca496374"/>
-    <ds:schemaRef ds:uri="http://purl.org/dc/dcmitype/"/>
-    <ds:schemaRef ds:uri="http://purl.org/dc/elements/1.1/"/>
-    <ds:schemaRef ds:uri="http://purl.org/dc/terms/"/>
-    <ds:schemaRef ds:uri="http://schemas.microsoft.com/office/2006/documentManagement/types"/>
-    <ds:schemaRef ds:uri="http://schemas.microsoft.com/office/2006/metadata/properties"/>
-    <ds:schemaRef ds:uri="http://schemas.microsoft.com/office/infopath/2007/PartnerControls"/>
-    <ds:schemaRef ds:uri="http://schemas.openxmlformats.org/package/2006/metadata/core-properties"/>
-    <ds:schemaRef ds:uri="http://www.w3.org/XML/1998/namespace"/>
-  </ds:schemaRefs>
-</ds:datastoreItem>
-</file>
-
 <file path=customXml/itemProps3.xml><?xml version="1.0" encoding="utf-8"?>
 <ds:datastoreItem xmlns:ds="http://schemas.openxmlformats.org/officeDocument/2006/customXml" ds:itemID="{B00FC41E-FBDE-42E2-B58A-20EBD240A376}">
   <ds:schemaRefs>
